--- a/1주차-정렬/이재현/정렬 알고리즘.pptx
+++ b/1주차-정렬/이재현/정렬 알고리즘.pptx
@@ -2,7 +2,7 @@
 <file path=ppt/presentation.xml><?xml version="1.0" encoding="utf-8"?>
 <p:presentation xmlns:a="http://schemas.openxmlformats.org/drawingml/2006/main" xmlns:r="http://schemas.openxmlformats.org/officeDocument/2006/relationships" xmlns:p="http://schemas.openxmlformats.org/presentationml/2006/main" xmlns:p14="http://schemas.microsoft.com/office/powerpoint/2010/main" saveSubsetFonts="1">
   <p:sldMasterIdLst>
-    <p:sldMasterId id="2147483695" r:id="rId13"/>
+    <p:sldMasterId id="2147483698" r:id="rId13"/>
   </p:sldMasterIdLst>
   <p:notesMasterIdLst>
     <p:notesMasterId r:id="rId17"/>
@@ -12,13 +12,13 @@
   </p:handoutMasterIdLst>
   <p:sldIdLst>
     <p:sldId id="256" r:id="rId19"/>
-    <p:sldId id="259" r:id="rId20"/>
-    <p:sldId id="257" r:id="rId21"/>
-    <p:sldId id="258" r:id="rId22"/>
-    <p:sldId id="261" r:id="rId23"/>
-    <p:sldId id="262" r:id="rId24"/>
-    <p:sldId id="263" r:id="rId25"/>
-    <p:sldId id="264" r:id="rId26"/>
+    <p:sldId id="259" r:id="rId21"/>
+    <p:sldId id="257" r:id="rId22"/>
+    <p:sldId id="258" r:id="rId23"/>
+    <p:sldId id="261" r:id="rId24"/>
+    <p:sldId id="262" r:id="rId25"/>
+    <p:sldId id="263" r:id="rId26"/>
+    <p:sldId id="264" r:id="rId27"/>
   </p:sldIdLst>
   <p:sldSz cx="12192000" cy="6858000"/>
   <p:notesSz cx="6858000" cy="9144000"/>
@@ -4569,7 +4569,7 @@
 </file>
 
 <file path=ppt/slides/slide7.xml><?xml version="1.0" encoding="utf-8"?>
-<p:sld xmlns:a="http://schemas.openxmlformats.org/drawingml/2006/main" xmlns:r="http://schemas.openxmlformats.org/officeDocument/2006/relationships" xmlns:p="http://schemas.openxmlformats.org/presentationml/2006/main">
+<p:sld xmlns:a="http://schemas.openxmlformats.org/drawingml/2006/main" xmlns:r="http://schemas.openxmlformats.org/officeDocument/2006/relationships" xmlns:p="http://schemas.openxmlformats.org/presentationml/2006/main" xmlns:p14="http://schemas.microsoft.com/office/powerpoint/2010/main">
   <p:cSld>
     <p:bg>
       <p:bgPr>
@@ -4597,7 +4597,7 @@
       </p:grpSpPr>
       <p:pic>
         <p:nvPicPr>
-          <p:cNvPr id="2" name="그림 33" descr="C:/Users/user/AppData/Roaming/PolarisOffice/ETemp/21496_17898816/fImage26551619358.png"/>
+          <p:cNvPr id="2" name="그림 33"/>
           <p:cNvPicPr>
             <a:picLocks noChangeAspect="1"/>
           </p:cNvPicPr>
@@ -4633,9 +4633,9 @@
           <p:nvPr/>
         </p:nvSpPr>
         <p:spPr>
-          <a:xfrm rot="0">
+          <a:xfrm>
             <a:off x="1016000" y="2524125"/>
-            <a:ext cx="10160635" cy="3415665"/>
+            <a:ext cx="10161270" cy="3415665"/>
           </a:xfrm>
           <a:prstGeom prst="rect"/>
           <a:noFill/>
@@ -4645,12 +4645,15 @@
           </a:ln>
         </p:spPr>
         <p:txBody>
-          <a:bodyPr wrap="square" lIns="89535" tIns="46355" rIns="89535" bIns="46355" vert="horz" anchor="t">
+          <a:bodyPr wrap="square" lIns="89535" tIns="46355" rIns="89535" bIns="46355" numCol="1" vert="horz" anchor="t">
             <a:spAutoFit/>
           </a:bodyPr>
           <a:lstStyle/>
           <a:p>
-            <a:pPr marL="0" indent="0"/>
+            <a:pPr marL="0" indent="0">
+              <a:buFontTx/>
+              <a:buNone/>
+            </a:pPr>
             <a:r>
               <a:rPr sz="1800" b="1"/>
               <a:t>중요: unique()는 정렬된 상태에서만 제대로 동작</a:t>
@@ -4688,7 +4691,10 @@
             <a:endParaRPr lang="ko-KR" altLang="en-US"/>
           </a:p>
           <a:p>
-            <a:pPr marL="0" indent="0"/>
+            <a:pPr marL="0" indent="0">
+              <a:buFontTx/>
+              <a:buNone/>
+            </a:pPr>
             <a:r>
               <a:rPr/>
               <a:t>cpp</a:t>
@@ -4696,11 +4702,17 @@
             <a:endParaRPr lang="ko-KR" altLang="en-US"/>
           </a:p>
           <a:p>
-            <a:pPr marL="0" indent="0"/>
-            <a:endParaRPr lang="ko-KR" altLang="en-US"/>
-          </a:p>
-          <a:p>
-            <a:pPr marL="0" indent="0"/>
+            <a:pPr marL="0" indent="0">
+              <a:buFontTx/>
+              <a:buNone/>
+            </a:pPr>
+            <a:endParaRPr lang="ko-KR" altLang="en-US"/>
+          </a:p>
+          <a:p>
+            <a:pPr marL="0" indent="0">
+              <a:buFontTx/>
+              <a:buNone/>
+            </a:pPr>
             <a:r>
               <a:rPr/>
               <a:t>vector&lt;int&gt; v = {3, 1, 3, 2, 1}; </a:t>
@@ -4708,7 +4720,10 @@
             <a:endParaRPr lang="ko-KR" altLang="en-US"/>
           </a:p>
           <a:p>
-            <a:pPr marL="0" indent="0"/>
+            <a:pPr marL="0" indent="0">
+              <a:buFontTx/>
+              <a:buNone/>
+            </a:pPr>
             <a:r>
               <a:rPr/>
               <a:t>sort(v.begin(), v.end()); // [1, 1, 2, 3, 3] </a:t>
@@ -4716,23 +4731,21 @@
             <a:endParaRPr lang="ko-KR" altLang="en-US"/>
           </a:p>
           <a:p>
-            <a:pPr marL="0" indent="0"/>
+            <a:pPr marL="0" indent="0">
+              <a:buFontTx/>
+              <a:buNone/>
+            </a:pPr>
             <a:r>
               <a:rPr/>
-              <a:t>Auto</a:t>
-            </a:r>
-            <a:r>
-              <a:rPr/>
-              <a:t> </a:t>
-            </a:r>
-            <a:r>
-              <a:rPr/>
-              <a:t>it = unique(v.begin(), v.end()); // [1, 2, 3, ?, ?]</a:t>
-            </a:r>
-            <a:endParaRPr lang="ko-KR" altLang="en-US"/>
-          </a:p>
-          <a:p>
-            <a:pPr marL="0" indent="0"/>
+              <a:t>Auto it = unique(v.begin(), v.end()); // [1, 2, 3, ?, ?]</a:t>
+            </a:r>
+            <a:endParaRPr lang="ko-KR" altLang="en-US"/>
+          </a:p>
+          <a:p>
+            <a:pPr marL="0" indent="0">
+              <a:buFontTx/>
+              <a:buNone/>
+            </a:pPr>
             <a:r>
               <a:rPr/>
               <a:t>v.erase(it, v.end()); // [1, 2, 3] </a:t>
@@ -4740,7 +4753,10 @@
             <a:endParaRPr lang="ko-KR" altLang="en-US"/>
           </a:p>
           <a:p>
-            <a:pPr marL="0" indent="0"/>
+            <a:pPr marL="0" indent="0">
+              <a:buFontTx/>
+              <a:buNone/>
+            </a:pPr>
             <a:r>
               <a:rPr sz="1800" b="1"/>
               <a:t> </a:t>
@@ -4816,11 +4832,18 @@
       <p:transition spd="slow"/>
     </mc:Fallback>
   </mc:AlternateContent>
+  <p:timing>
+    <p:tnLst>
+      <p:par>
+        <p:cTn id="1" dur="indefinite" restart="never" nodeType="tmRoot"/>
+      </p:par>
+    </p:tnLst>
+  </p:timing>
 </p:sld>
 </file>
 
 <file path=ppt/slides/slide8.xml><?xml version="1.0" encoding="utf-8"?>
-<p:sld xmlns:a="http://schemas.openxmlformats.org/drawingml/2006/main" xmlns:r="http://schemas.openxmlformats.org/officeDocument/2006/relationships" xmlns:p="http://schemas.openxmlformats.org/presentationml/2006/main">
+<p:sld xmlns:a="http://schemas.openxmlformats.org/drawingml/2006/main" xmlns:r="http://schemas.openxmlformats.org/officeDocument/2006/relationships" xmlns:p="http://schemas.openxmlformats.org/presentationml/2006/main" xmlns:p14="http://schemas.microsoft.com/office/powerpoint/2010/main">
   <p:cSld>
     <p:bg>
       <p:bgPr>
@@ -4848,7 +4871,7 @@
       </p:grpSpPr>
       <p:pic>
         <p:nvPicPr>
-          <p:cNvPr id="2" name="그림 39" descr="C:/Users/user/AppData/Roaming/PolarisOffice/ETemp/21496_17898816/fImage30581736962.png"/>
+          <p:cNvPr id="2" name="그림 39"/>
           <p:cNvPicPr>
             <a:picLocks noChangeAspect="1"/>
           </p:cNvPicPr>
@@ -4884,9 +4907,9 @@
           <p:nvPr/>
         </p:nvSpPr>
         <p:spPr>
-          <a:xfrm rot="0">
+          <a:xfrm>
             <a:off x="444500" y="3095625"/>
-            <a:ext cx="9509760" cy="1477645"/>
+            <a:ext cx="9510395" cy="3138805"/>
           </a:xfrm>
           <a:prstGeom prst="rect"/>
           <a:noFill/>
@@ -4896,12 +4919,15 @@
           </a:ln>
         </p:spPr>
         <p:txBody>
-          <a:bodyPr wrap="square" lIns="89535" tIns="46355" rIns="89535" bIns="46355" vert="horz" anchor="t">
+          <a:bodyPr wrap="square" lIns="89535" tIns="46355" rIns="89535" bIns="46355" numCol="1" vert="horz" anchor="t">
             <a:spAutoFit/>
           </a:bodyPr>
           <a:lstStyle/>
           <a:p>
-            <a:pPr marL="0" indent="0"/>
+            <a:pPr marL="0" indent="0">
+              <a:buFontTx/>
+              <a:buNone/>
+            </a:pPr>
             <a:r>
               <a:rPr sz="1800" b="1"/>
               <a:t>it - ans.begin()이 의미하는 것</a:t>
@@ -4938,6 +4964,49 @@
             <a:r>
               <a:rPr b="1"/>
               <a:t>따라서 it - ans.begin()은 두 이터레이터 사이의 거리 → 인덱스</a:t>
+            </a:r>
+            <a:endParaRPr lang="ko-KR" altLang="en-US" b="1"/>
+          </a:p>
+          <a:p>
+            <a:pPr marL="228600" indent="-228600">
+              <a:buFont typeface="맑은 고딕"/>
+              <a:buChar char="•"/>
+            </a:pPr>
+            <a:endParaRPr lang="ko-KR" altLang="en-US" sz="1800">
+              <a:latin typeface="맑은 고딕" charset="0"/>
+              <a:ea typeface="맑은 고딕" charset="0"/>
+            </a:endParaRPr>
+          </a:p>
+          <a:p>
+            <a:pPr marL="228600" indent="-228600">
+              <a:buFont typeface="맑은 고딕"/>
+              <a:buChar char="•"/>
+            </a:pPr>
+            <a:r>
+              <a:rPr b="1"/>
+              <a:t>벡터는 배열처럼 생겼지만, STL에서는 더 유연하게 쓰기 위해 이터레이터를 씀</a:t>
+            </a:r>
+            <a:endParaRPr lang="ko-KR" altLang="en-US" b="1"/>
+          </a:p>
+          <a:p>
+            <a:pPr marL="228600" indent="-228600">
+              <a:buFont typeface="맑은 고딕"/>
+              <a:buChar char="•"/>
+            </a:pPr>
+            <a:r>
+              <a:rPr b="1"/>
+              <a:t>it - v.begin()이 가능한 이유는, 벡터의 이터레이터가 Random Access Iterator, 즉 포인터처럼 작동하도록 설계돼 있기 때문</a:t>
+            </a:r>
+            <a:endParaRPr lang="ko-KR" altLang="en-US" b="1"/>
+          </a:p>
+          <a:p>
+            <a:pPr marL="228600" indent="-228600">
+              <a:buFont typeface="맑은 고딕"/>
+              <a:buChar char="•"/>
+            </a:pPr>
+            <a:r>
+              <a:rPr b="1"/>
+              <a:t>배열은 원시적인 int*, 벡터는 고급 포장된 iterator→ 하지만 거의 동일한 방식으로 동작 가능</a:t>
             </a:r>
             <a:endParaRPr lang="ko-KR" altLang="en-US" b="1"/>
           </a:p>
@@ -4966,6 +5035,13 @@
       <p:transition spd="slow"/>
     </mc:Fallback>
   </mc:AlternateContent>
+  <p:timing>
+    <p:tnLst>
+      <p:par>
+        <p:cTn id="1" dur="indefinite" restart="never" nodeType="tmRoot"/>
+      </p:par>
+    </p:tnLst>
+  </p:timing>
 </p:sld>
 </file>
 
